--- a/Presentation - Comparative Analysis between Singapore and Hong Kong.pptx
+++ b/Presentation - Comparative Analysis between Singapore and Hong Kong.pptx
@@ -113,6 +113,11 @@
       </a:defRPr>
     </a:lvl9pPr>
   </p:defaultTextStyle>
+  <p:extLst>
+    <p:ext uri="{EFAFB233-063F-42B5-8137-9DF3F51BA10A}">
+      <p15:sldGuideLst xmlns:p15="http://schemas.microsoft.com/office/powerpoint/2012/main"/>
+    </p:ext>
+  </p:extLst>
 </p:presentation>
 </file>
 
@@ -3287,14 +3292,14 @@
           <p:nvPr/>
         </p:nvPicPr>
         <p:blipFill rotWithShape="1">
-          <a:blip r:embed="rId13">
+          <a:blip r:embed="rId13" cstate="email">
             <a:extLst>
               <a:ext uri="{28A0092B-C50C-407E-A947-70E740481C1C}">
-                <a14:useLocalDpi xmlns:a14="http://schemas.microsoft.com/office/drawing/2010/main" val="0"/>
+                <a14:useLocalDpi xmlns:a14="http://schemas.microsoft.com/office/drawing/2010/main"/>
               </a:ext>
             </a:extLst>
           </a:blip>
-          <a:srcRect t="1538" b="-1538"/>
+          <a:srcRect b="-1562"/>
           <a:stretch/>
         </p:blipFill>
         <p:spPr bwMode="black">
@@ -4355,7 +4360,13 @@
           </p:nvPr>
         </p:nvPicPr>
         <p:blipFill>
-          <a:blip r:embed="rId2"/>
+          <a:blip r:embed="rId2" cstate="email">
+            <a:extLst>
+              <a:ext uri="{28A0092B-C50C-407E-A947-70E740481C1C}">
+                <a14:useLocalDpi xmlns:a14="http://schemas.microsoft.com/office/drawing/2010/main"/>
+              </a:ext>
+            </a:extLst>
+          </a:blip>
           <a:stretch>
             <a:fillRect/>
           </a:stretch>
@@ -4440,10 +4451,10 @@
           <p:nvPr/>
         </p:nvPicPr>
         <p:blipFill>
-          <a:blip r:embed="rId2" cstate="print">
+          <a:blip r:embed="rId2" cstate="email">
             <a:extLst>
               <a:ext uri="{28A0092B-C50C-407E-A947-70E740481C1C}">
-                <a14:useLocalDpi xmlns:a14="http://schemas.microsoft.com/office/drawing/2010/main" val="0"/>
+                <a14:useLocalDpi xmlns:a14="http://schemas.microsoft.com/office/drawing/2010/main"/>
               </a:ext>
             </a:extLst>
           </a:blip>
@@ -4476,10 +4487,10 @@
           <p:nvPr/>
         </p:nvPicPr>
         <p:blipFill>
-          <a:blip r:embed="rId3" cstate="print">
+          <a:blip r:embed="rId3" cstate="email">
             <a:extLst>
               <a:ext uri="{28A0092B-C50C-407E-A947-70E740481C1C}">
-                <a14:useLocalDpi xmlns:a14="http://schemas.microsoft.com/office/drawing/2010/main" val="0"/>
+                <a14:useLocalDpi xmlns:a14="http://schemas.microsoft.com/office/drawing/2010/main"/>
               </a:ext>
             </a:extLst>
           </a:blip>
@@ -4512,10 +4523,10 @@
           <p:nvPr/>
         </p:nvPicPr>
         <p:blipFill>
-          <a:blip r:embed="rId4" cstate="print">
+          <a:blip r:embed="rId4" cstate="email">
             <a:extLst>
               <a:ext uri="{28A0092B-C50C-407E-A947-70E740481C1C}">
-                <a14:useLocalDpi xmlns:a14="http://schemas.microsoft.com/office/drawing/2010/main" val="0"/>
+                <a14:useLocalDpi xmlns:a14="http://schemas.microsoft.com/office/drawing/2010/main"/>
               </a:ext>
             </a:extLst>
           </a:blip>
@@ -4548,10 +4559,10 @@
           <p:nvPr/>
         </p:nvPicPr>
         <p:blipFill>
-          <a:blip r:embed="rId5" cstate="print">
+          <a:blip r:embed="rId5" cstate="email">
             <a:extLst>
               <a:ext uri="{28A0092B-C50C-407E-A947-70E740481C1C}">
-                <a14:useLocalDpi xmlns:a14="http://schemas.microsoft.com/office/drawing/2010/main" val="0"/>
+                <a14:useLocalDpi xmlns:a14="http://schemas.microsoft.com/office/drawing/2010/main"/>
               </a:ext>
             </a:extLst>
           </a:blip>
@@ -4840,7 +4851,13 @@
           <p:nvPr/>
         </p:nvPicPr>
         <p:blipFill>
-          <a:blip r:embed="rId2"/>
+          <a:blip r:embed="rId2" cstate="email">
+            <a:extLst>
+              <a:ext uri="{28A0092B-C50C-407E-A947-70E740481C1C}">
+                <a14:useLocalDpi xmlns:a14="http://schemas.microsoft.com/office/drawing/2010/main"/>
+              </a:ext>
+            </a:extLst>
+          </a:blip>
           <a:stretch>
             <a:fillRect/>
           </a:stretch>
@@ -4870,7 +4887,13 @@
           <p:nvPr/>
         </p:nvPicPr>
         <p:blipFill>
-          <a:blip r:embed="rId3"/>
+          <a:blip r:embed="rId3" cstate="email">
+            <a:extLst>
+              <a:ext uri="{28A0092B-C50C-407E-A947-70E740481C1C}">
+                <a14:useLocalDpi xmlns:a14="http://schemas.microsoft.com/office/drawing/2010/main"/>
+              </a:ext>
+            </a:extLst>
+          </a:blip>
           <a:stretch>
             <a:fillRect/>
           </a:stretch>
@@ -4900,7 +4923,13 @@
           <p:nvPr/>
         </p:nvPicPr>
         <p:blipFill>
-          <a:blip r:embed="rId4"/>
+          <a:blip r:embed="rId4" cstate="email">
+            <a:extLst>
+              <a:ext uri="{28A0092B-C50C-407E-A947-70E740481C1C}">
+                <a14:useLocalDpi xmlns:a14="http://schemas.microsoft.com/office/drawing/2010/main"/>
+              </a:ext>
+            </a:extLst>
+          </a:blip>
           <a:stretch>
             <a:fillRect/>
           </a:stretch>
@@ -4930,7 +4959,13 @@
           <p:nvPr/>
         </p:nvPicPr>
         <p:blipFill>
-          <a:blip r:embed="rId5"/>
+          <a:blip r:embed="rId5" cstate="email">
+            <a:extLst>
+              <a:ext uri="{28A0092B-C50C-407E-A947-70E740481C1C}">
+                <a14:useLocalDpi xmlns:a14="http://schemas.microsoft.com/office/drawing/2010/main"/>
+              </a:ext>
+            </a:extLst>
+          </a:blip>
           <a:stretch>
             <a:fillRect/>
           </a:stretch>
@@ -4960,7 +4995,13 @@
           <p:nvPr/>
         </p:nvPicPr>
         <p:blipFill>
-          <a:blip r:embed="rId6"/>
+          <a:blip r:embed="rId6" cstate="email">
+            <a:extLst>
+              <a:ext uri="{28A0092B-C50C-407E-A947-70E740481C1C}">
+                <a14:useLocalDpi xmlns:a14="http://schemas.microsoft.com/office/drawing/2010/main"/>
+              </a:ext>
+            </a:extLst>
+          </a:blip>
           <a:stretch>
             <a:fillRect/>
           </a:stretch>
@@ -4990,7 +5031,13 @@
           <p:nvPr/>
         </p:nvPicPr>
         <p:blipFill>
-          <a:blip r:embed="rId7"/>
+          <a:blip r:embed="rId7" cstate="email">
+            <a:extLst>
+              <a:ext uri="{28A0092B-C50C-407E-A947-70E740481C1C}">
+                <a14:useLocalDpi xmlns:a14="http://schemas.microsoft.com/office/drawing/2010/main"/>
+              </a:ext>
+            </a:extLst>
+          </a:blip>
           <a:stretch>
             <a:fillRect/>
           </a:stretch>
@@ -5319,7 +5366,13 @@
           <p:nvPr/>
         </p:nvPicPr>
         <p:blipFill>
-          <a:blip r:embed="rId8"/>
+          <a:blip r:embed="rId8" cstate="email">
+            <a:extLst>
+              <a:ext uri="{28A0092B-C50C-407E-A947-70E740481C1C}">
+                <a14:useLocalDpi xmlns:a14="http://schemas.microsoft.com/office/drawing/2010/main"/>
+              </a:ext>
+            </a:extLst>
+          </a:blip>
           <a:stretch>
             <a:fillRect/>
           </a:stretch>
@@ -5349,7 +5402,13 @@
           <p:nvPr/>
         </p:nvPicPr>
         <p:blipFill>
-          <a:blip r:embed="rId9"/>
+          <a:blip r:embed="rId9" cstate="email">
+            <a:extLst>
+              <a:ext uri="{28A0092B-C50C-407E-A947-70E740481C1C}">
+                <a14:useLocalDpi xmlns:a14="http://schemas.microsoft.com/office/drawing/2010/main"/>
+              </a:ext>
+            </a:extLst>
+          </a:blip>
           <a:stretch>
             <a:fillRect/>
           </a:stretch>
